--- a/week3/Slides_week3.pptx
+++ b/week3/Slides_week3.pptx
@@ -133,6 +133,65 @@
 </p188:authorLst>
 </file>
 
+<file path=ppt/changesInfos/changesInfo1.xml><?xml version="1.0" encoding="utf-8"?>
+<pc:chgInfo xmlns:a="http://schemas.openxmlformats.org/drawingml/2006/main" xmlns:r="http://schemas.openxmlformats.org/officeDocument/2006/relationships" xmlns:ac="http://schemas.microsoft.com/office/drawing/2013/main/command" xmlns:pc="http://schemas.microsoft.com/office/powerpoint/2013/main/command">
+  <pc:docChgLst>
+    <pc:chgData name="Christina Maimone" userId="16c23a2a-4485-46b5-aac7-46b13bc11ee5" providerId="ADAL" clId="{59597644-7C90-8B49-94E9-98442F4909B4}"/>
+    <pc:docChg chg="modSld">
+      <pc:chgData name="Christina Maimone" userId="16c23a2a-4485-46b5-aac7-46b13bc11ee5" providerId="ADAL" clId="{59597644-7C90-8B49-94E9-98442F4909B4}" dt="2024-12-23T20:42:31.203" v="10" actId="20577"/>
+      <pc:docMkLst>
+        <pc:docMk/>
+      </pc:docMkLst>
+      <pc:sldChg chg="modSp mod">
+        <pc:chgData name="Christina Maimone" userId="16c23a2a-4485-46b5-aac7-46b13bc11ee5" providerId="ADAL" clId="{59597644-7C90-8B49-94E9-98442F4909B4}" dt="2024-12-23T20:42:16.500" v="7" actId="20577"/>
+        <pc:sldMkLst>
+          <pc:docMk/>
+          <pc:sldMk cId="813315396" sldId="442"/>
+        </pc:sldMkLst>
+        <pc:spChg chg="mod">
+          <ac:chgData name="Christina Maimone" userId="16c23a2a-4485-46b5-aac7-46b13bc11ee5" providerId="ADAL" clId="{59597644-7C90-8B49-94E9-98442F4909B4}" dt="2024-12-23T20:42:16.500" v="7" actId="20577"/>
+          <ac:spMkLst>
+            <pc:docMk/>
+            <pc:sldMk cId="813315396" sldId="442"/>
+            <ac:spMk id="3" creationId="{223DE7B7-FFF8-E2D2-35E2-5434B1602EAE}"/>
+          </ac:spMkLst>
+        </pc:spChg>
+      </pc:sldChg>
+      <pc:sldChg chg="modSp mod">
+        <pc:chgData name="Christina Maimone" userId="16c23a2a-4485-46b5-aac7-46b13bc11ee5" providerId="ADAL" clId="{59597644-7C90-8B49-94E9-98442F4909B4}" dt="2024-12-23T20:42:26.435" v="8" actId="20577"/>
+        <pc:sldMkLst>
+          <pc:docMk/>
+          <pc:sldMk cId="3968517395" sldId="443"/>
+        </pc:sldMkLst>
+        <pc:spChg chg="mod">
+          <ac:chgData name="Christina Maimone" userId="16c23a2a-4485-46b5-aac7-46b13bc11ee5" providerId="ADAL" clId="{59597644-7C90-8B49-94E9-98442F4909B4}" dt="2024-12-23T20:42:26.435" v="8" actId="20577"/>
+          <ac:spMkLst>
+            <pc:docMk/>
+            <pc:sldMk cId="3968517395" sldId="443"/>
+            <ac:spMk id="3" creationId="{223DE7B7-FFF8-E2D2-35E2-5434B1602EAE}"/>
+          </ac:spMkLst>
+        </pc:spChg>
+      </pc:sldChg>
+      <pc:sldChg chg="modSp mod">
+        <pc:chgData name="Christina Maimone" userId="16c23a2a-4485-46b5-aac7-46b13bc11ee5" providerId="ADAL" clId="{59597644-7C90-8B49-94E9-98442F4909B4}" dt="2024-12-23T20:42:31.203" v="10" actId="20577"/>
+        <pc:sldMkLst>
+          <pc:docMk/>
+          <pc:sldMk cId="4278417154" sldId="444"/>
+        </pc:sldMkLst>
+        <pc:spChg chg="mod">
+          <ac:chgData name="Christina Maimone" userId="16c23a2a-4485-46b5-aac7-46b13bc11ee5" providerId="ADAL" clId="{59597644-7C90-8B49-94E9-98442F4909B4}" dt="2024-12-23T20:42:31.203" v="10" actId="20577"/>
+          <ac:spMkLst>
+            <pc:docMk/>
+            <pc:sldMk cId="4278417154" sldId="444"/>
+            <ac:spMk id="3" creationId="{223DE7B7-FFF8-E2D2-35E2-5434B1602EAE}"/>
+          </ac:spMkLst>
+        </pc:spChg>
+      </pc:sldChg>
+    </pc:docChg>
+  </pc:docChgLst>
+</pc:chgInfo>
+</file>
+
 <file path=ppt/comments/modernComment_1C0_54843E36.xml><?xml version="1.0" encoding="utf-8"?>
 <p188:cmLst xmlns:a="http://schemas.openxmlformats.org/drawingml/2006/main" xmlns:r="http://schemas.openxmlformats.org/officeDocument/2006/relationships" xmlns:p188="http://schemas.microsoft.com/office/powerpoint/2018/8/main">
   <p188:cm id="{9C7D6BD5-3F7B-134F-B37F-C0DC5FF552FE}" authorId="{DD1DDF8C-1F6C-D3B8-9A71-8D4AA527FCC5}" status="resolved" created="2024-05-21T17:53:21.376">
@@ -236,7 +295,7 @@
           <a:p>
             <a:fld id="{28821CD5-9CE3-AC48-A8D5-794957601F3A}" type="datetimeFigureOut">
               <a:rPr lang="en-US" smtClean="0"/>
-              <a:t>12/2/24</a:t>
+              <a:t>12/23/24</a:t>
             </a:fld>
             <a:endParaRPr lang="en-US"/>
           </a:p>
@@ -1059,7 +1118,7 @@
           <a:p>
             <a:fld id="{0653A2DB-FF3D-F849-83AE-0F1F8B146635}" type="datetimeFigureOut">
               <a:rPr lang="en-US" smtClean="0"/>
-              <a:t>12/2/24</a:t>
+              <a:t>12/23/24</a:t>
             </a:fld>
             <a:endParaRPr lang="en-US"/>
           </a:p>
@@ -1321,7 +1380,7 @@
           <a:p>
             <a:fld id="{0653A2DB-FF3D-F849-83AE-0F1F8B146635}" type="datetimeFigureOut">
               <a:rPr lang="en-US" smtClean="0"/>
-              <a:t>12/2/24</a:t>
+              <a:t>12/23/24</a:t>
             </a:fld>
             <a:endParaRPr lang="en-US"/>
           </a:p>
@@ -1556,7 +1615,7 @@
           <a:p>
             <a:fld id="{0653A2DB-FF3D-F849-83AE-0F1F8B146635}" type="datetimeFigureOut">
               <a:rPr lang="en-US" smtClean="0"/>
-              <a:t>12/2/24</a:t>
+              <a:t>12/23/24</a:t>
             </a:fld>
             <a:endParaRPr lang="en-US"/>
           </a:p>
@@ -1672,7 +1731,7 @@
           <a:p>
             <a:fld id="{846CE7D5-CF57-46EF-B807-FDD0502418D4}" type="datetimeFigureOut">
               <a:rPr lang="en-US" smtClean="0"/>
-              <a:t>12/2/24</a:t>
+              <a:t>12/23/24</a:t>
             </a:fld>
             <a:endParaRPr lang="en-US"/>
           </a:p>
@@ -2421,7 +2480,7 @@
           <a:p>
             <a:fld id="{0653A2DB-FF3D-F849-83AE-0F1F8B146635}" type="datetimeFigureOut">
               <a:rPr lang="en-US" smtClean="0"/>
-              <a:t>12/2/24</a:t>
+              <a:t>12/23/24</a:t>
             </a:fld>
             <a:endParaRPr lang="en-US"/>
           </a:p>
@@ -2723,7 +2782,7 @@
           <a:p>
             <a:fld id="{0653A2DB-FF3D-F849-83AE-0F1F8B146635}" type="datetimeFigureOut">
               <a:rPr lang="en-US" smtClean="0"/>
-              <a:t>12/2/24</a:t>
+              <a:t>12/23/24</a:t>
             </a:fld>
             <a:endParaRPr lang="en-US"/>
           </a:p>
@@ -3145,7 +3204,7 @@
           <a:p>
             <a:fld id="{0653A2DB-FF3D-F849-83AE-0F1F8B146635}" type="datetimeFigureOut">
               <a:rPr lang="en-US" smtClean="0"/>
-              <a:t>12/2/24</a:t>
+              <a:t>12/23/24</a:t>
             </a:fld>
             <a:endParaRPr lang="en-US"/>
           </a:p>
@@ -3307,7 +3366,7 @@
           <a:p>
             <a:fld id="{0653A2DB-FF3D-F849-83AE-0F1F8B146635}" type="datetimeFigureOut">
               <a:rPr lang="en-US" smtClean="0"/>
-              <a:t>12/2/24</a:t>
+              <a:t>12/23/24</a:t>
             </a:fld>
             <a:endParaRPr lang="en-US"/>
           </a:p>
@@ -3743,7 +3802,7 @@
           <a:p>
             <a:fld id="{0653A2DB-FF3D-F849-83AE-0F1F8B146635}" type="datetimeFigureOut">
               <a:rPr lang="en-US" smtClean="0"/>
-              <a:t>12/2/24</a:t>
+              <a:t>12/23/24</a:t>
             </a:fld>
             <a:endParaRPr lang="en-US"/>
           </a:p>
@@ -4032,7 +4091,7 @@
           <a:p>
             <a:fld id="{0653A2DB-FF3D-F849-83AE-0F1F8B146635}" type="datetimeFigureOut">
               <a:rPr lang="en-US" smtClean="0"/>
-              <a:t>12/2/24</a:t>
+              <a:t>12/23/24</a:t>
             </a:fld>
             <a:endParaRPr lang="en-US"/>
           </a:p>
@@ -4243,7 +4302,7 @@
           <a:p>
             <a:fld id="{0653A2DB-FF3D-F849-83AE-0F1F8B146635}" type="datetimeFigureOut">
               <a:rPr lang="en-US" smtClean="0"/>
-              <a:t>12/2/24</a:t>
+              <a:t>12/23/24</a:t>
             </a:fld>
             <a:endParaRPr lang="en-US"/>
           </a:p>
@@ -10045,7 +10104,7 @@
                 <a:latin typeface="Courier New" panose="02070309020205020404" pitchFamily="49" charset="0"/>
                 <a:cs typeface="Courier New" panose="02070309020205020404" pitchFamily="49" charset="0"/>
               </a:rPr>
-              <a:t> [ </a:t>
+              <a:t>[ </a:t>
             </a:r>
             <a:r>
               <a:rPr lang="en-US" sz="3200" b="1" dirty="0">
@@ -10065,7 +10124,7 @@
                 <a:latin typeface="Courier New" panose="02070309020205020404" pitchFamily="49" charset="0"/>
                 <a:cs typeface="Courier New" panose="02070309020205020404" pitchFamily="49" charset="0"/>
               </a:rPr>
-              <a:t> , </a:t>
+              <a:t>, </a:t>
             </a:r>
             <a:r>
               <a:rPr lang="en-US" sz="3200" b="1" dirty="0">
@@ -10113,7 +10172,7 @@
                 <a:latin typeface="Courier New" panose="02070309020205020404" pitchFamily="49" charset="0"/>
                 <a:cs typeface="Courier New" panose="02070309020205020404" pitchFamily="49" charset="0"/>
               </a:rPr>
-              <a:t> [      , </a:t>
+              <a:t>[     , </a:t>
             </a:r>
             <a:r>
               <a:rPr lang="en-US" sz="3200" b="1" dirty="0">
@@ -10161,7 +10220,7 @@
                 <a:latin typeface="Courier New" panose="02070309020205020404" pitchFamily="49" charset="0"/>
                 <a:cs typeface="Courier New" panose="02070309020205020404" pitchFamily="49" charset="0"/>
               </a:rPr>
-              <a:t> [ </a:t>
+              <a:t>[ </a:t>
             </a:r>
             <a:r>
               <a:rPr lang="en-US" sz="3200" b="1" dirty="0">
@@ -10171,7 +10230,7 @@
                 <a:latin typeface="Courier New" panose="02070309020205020404" pitchFamily="49" charset="0"/>
                 <a:cs typeface="Courier New" panose="02070309020205020404" pitchFamily="49" charset="0"/>
               </a:rPr>
-              <a:t>1:10 </a:t>
+              <a:t>1:10</a:t>
             </a:r>
             <a:r>
               <a:rPr lang="en-US" sz="3200" b="1" dirty="0">
@@ -10219,7 +10278,7 @@
                 <a:latin typeface="Courier New" panose="02070309020205020404" pitchFamily="49" charset="0"/>
                 <a:cs typeface="Courier New" panose="02070309020205020404" pitchFamily="49" charset="0"/>
               </a:rPr>
-              <a:t> [</a:t>
+              <a:t>[</a:t>
             </a:r>
             <a:r>
               <a:rPr lang="en-US" sz="3200" b="1" dirty="0">
@@ -10229,7 +10288,7 @@
                 <a:latin typeface="Courier New" panose="02070309020205020404" pitchFamily="49" charset="0"/>
                 <a:cs typeface="Courier New" panose="02070309020205020404" pitchFamily="49" charset="0"/>
               </a:rPr>
-              <a:t>c(1,4) </a:t>
+              <a:t>c(1,4)</a:t>
             </a:r>
             <a:r>
               <a:rPr lang="en-US" sz="3200" b="1" dirty="0">
@@ -10723,7 +10782,7 @@
                 <a:latin typeface="Courier New" panose="02070309020205020404" pitchFamily="49" charset="0"/>
                 <a:cs typeface="Courier New" panose="02070309020205020404" pitchFamily="49" charset="0"/>
               </a:rPr>
-              <a:t> [</a:t>
+              <a:t>[</a:t>
             </a:r>
             <a:r>
               <a:rPr lang="en-US" sz="3200" b="1" dirty="0">
@@ -11179,7 +11238,7 @@
                 <a:latin typeface="Courier New" panose="02070309020205020404" pitchFamily="49" charset="0"/>
                 <a:cs typeface="Courier New" panose="02070309020205020404" pitchFamily="49" charset="0"/>
               </a:rPr>
-              <a:t> [</a:t>
+              <a:t>[</a:t>
             </a:r>
             <a:r>
               <a:rPr lang="en-US" sz="3200" b="1" dirty="0">
@@ -11249,7 +11308,7 @@
                 <a:latin typeface="Courier New" panose="02070309020205020404" pitchFamily="49" charset="0"/>
                 <a:cs typeface="Courier New" panose="02070309020205020404" pitchFamily="49" charset="0"/>
               </a:rPr>
-              <a:t> [</a:t>
+              <a:t>[</a:t>
             </a:r>
             <a:r>
               <a:rPr lang="en-US" sz="3200" b="1" dirty="0">
